--- a/10-Data.pptx
+++ b/10-Data.pptx
@@ -238,7 +238,7 @@
             <a:fld id="{56FF66BB-58F6-4A37-8208-0812DDE6C8EF}" type="datetimeFigureOut">
               <a:rPr lang="el-GR" smtClean="0"/>
               <a:pPr/>
-              <a:t>17/12/2021</a:t>
+              <a:t>11/12/2022</a:t>
             </a:fld>
             <a:endParaRPr lang="el-GR"/>
           </a:p>
@@ -400,7 +400,7 @@
             <a:fld id="{DC17DF70-03C8-4BDB-82BF-9C076E474B74}" type="datetimeFigureOut">
               <a:rPr lang="el-GR" smtClean="0"/>
               <a:pPr/>
-              <a:t>17/12/2021</a:t>
+              <a:t>11/12/2022</a:t>
             </a:fld>
             <a:endParaRPr lang="el-GR"/>
           </a:p>
@@ -2076,7 +2076,7 @@
             <a:fld id="{1D8BD707-D9CF-40AE-B4C6-C98DA3205C09}" type="datetimeFigureOut">
               <a:rPr lang="en-US" smtClean="0"/>
               <a:pPr/>
-              <a:t>12/17/2021</a:t>
+              <a:t>12/11/2022</a:t>
             </a:fld>
             <a:endParaRPr lang="en-US"/>
           </a:p>
@@ -2437,7 +2437,7 @@
             <a:fld id="{1D8BD707-D9CF-40AE-B4C6-C98DA3205C09}" type="datetimeFigureOut">
               <a:rPr lang="en-US" smtClean="0"/>
               <a:pPr/>
-              <a:t>12/17/2021</a:t>
+              <a:t>12/11/2022</a:t>
             </a:fld>
             <a:endParaRPr lang="en-US"/>
           </a:p>
@@ -2614,7 +2614,7 @@
             <a:fld id="{1D8BD707-D9CF-40AE-B4C6-C98DA3205C09}" type="datetimeFigureOut">
               <a:rPr lang="en-US" smtClean="0"/>
               <a:pPr/>
-              <a:t>12/17/2021</a:t>
+              <a:t>12/11/2022</a:t>
             </a:fld>
             <a:endParaRPr lang="en-US"/>
           </a:p>
@@ -2851,7 +2851,7 @@
             <a:fld id="{1D8BD707-D9CF-40AE-B4C6-C98DA3205C09}" type="datetimeFigureOut">
               <a:rPr lang="en-US" smtClean="0"/>
               <a:pPr/>
-              <a:t>12/17/2021</a:t>
+              <a:t>12/11/2022</a:t>
             </a:fld>
             <a:endParaRPr lang="en-US"/>
           </a:p>
@@ -3117,7 +3117,7 @@
             <a:fld id="{1D8BD707-D9CF-40AE-B4C6-C98DA3205C09}" type="datetimeFigureOut">
               <a:rPr lang="en-US" smtClean="0"/>
               <a:pPr/>
-              <a:t>12/17/2021</a:t>
+              <a:t>12/11/2022</a:t>
             </a:fld>
             <a:endParaRPr lang="en-US"/>
           </a:p>
@@ -3339,7 +3339,7 @@
             <a:fld id="{1D8BD707-D9CF-40AE-B4C6-C98DA3205C09}" type="datetimeFigureOut">
               <a:rPr lang="en-US" smtClean="0"/>
               <a:pPr/>
-              <a:t>12/17/2021</a:t>
+              <a:t>12/11/2022</a:t>
             </a:fld>
             <a:endParaRPr lang="en-US"/>
           </a:p>
@@ -3693,7 +3693,7 @@
             <a:fld id="{1D8BD707-D9CF-40AE-B4C6-C98DA3205C09}" type="datetimeFigureOut">
               <a:rPr lang="en-US" smtClean="0"/>
               <a:pPr/>
-              <a:t>12/17/2021</a:t>
+              <a:t>12/11/2022</a:t>
             </a:fld>
             <a:endParaRPr lang="en-US"/>
           </a:p>
@@ -3927,7 +3927,7 @@
             <a:fld id="{1D8BD707-D9CF-40AE-B4C6-C98DA3205C09}" type="datetimeFigureOut">
               <a:rPr lang="en-US" smtClean="0"/>
               <a:pPr/>
-              <a:t>12/17/2021</a:t>
+              <a:t>12/11/2022</a:t>
             </a:fld>
             <a:endParaRPr lang="en-US"/>
           </a:p>
@@ -4069,7 +4069,7 @@
             <a:fld id="{1D8BD707-D9CF-40AE-B4C6-C98DA3205C09}" type="datetimeFigureOut">
               <a:rPr lang="en-US" smtClean="0"/>
               <a:pPr/>
-              <a:t>12/17/2021</a:t>
+              <a:t>12/11/2022</a:t>
             </a:fld>
             <a:endParaRPr lang="en-US"/>
           </a:p>
@@ -4348,7 +4348,7 @@
             <a:fld id="{1D8BD707-D9CF-40AE-B4C6-C98DA3205C09}" type="datetimeFigureOut">
               <a:rPr lang="en-US" smtClean="0"/>
               <a:pPr/>
-              <a:t>12/17/2021</a:t>
+              <a:t>12/11/2022</a:t>
             </a:fld>
             <a:endParaRPr lang="en-US"/>
           </a:p>
@@ -4752,7 +4752,7 @@
             <a:fld id="{1D8BD707-D9CF-40AE-B4C6-C98DA3205C09}" type="datetimeFigureOut">
               <a:rPr lang="en-US" smtClean="0"/>
               <a:pPr/>
-              <a:t>12/17/2021</a:t>
+              <a:t>12/11/2022</a:t>
             </a:fld>
             <a:endParaRPr lang="en-US"/>
           </a:p>
@@ -5092,7 +5092,7 @@
             <a:fld id="{1D8BD707-D9CF-40AE-B4C6-C98DA3205C09}" type="datetimeFigureOut">
               <a:rPr lang="en-US" smtClean="0"/>
               <a:pPr/>
-              <a:t>12/17/2021</a:t>
+              <a:t>12/11/2022</a:t>
             </a:fld>
             <a:endParaRPr lang="en-US"/>
           </a:p>
@@ -6407,12 +6407,24 @@
               <a:t>, </a:t>
             </a:r>
             <a:r>
+              <a:rPr lang="en-US" dirty="0" smtClean="0"/>
+              <a:t> </a:t>
+            </a:r>
+            <a:r>
               <a:rPr lang="en-US" b="1" i="1" dirty="0" smtClean="0">
                 <a:solidFill>
                   <a:srgbClr val="0070C0"/>
                 </a:solidFill>
               </a:rPr>
-              <a:t>Replace Type Code with Strategy</a:t>
+              <a:t>Replace </a:t>
+            </a:r>
+            <a:r>
+              <a:rPr lang="en-US" b="1" i="1" dirty="0" smtClean="0">
+                <a:solidFill>
+                  <a:srgbClr val="0070C0"/>
+                </a:solidFill>
+              </a:rPr>
+              <a:t>Type Code with Strategy</a:t>
             </a:r>
             <a:r>
               <a:rPr lang="en-US" i="1" dirty="0" smtClean="0"/>
@@ -8897,7 +8909,15 @@
             <a:pPr lvl="1"/>
             <a:r>
               <a:rPr lang="en-US" dirty="0" smtClean="0"/>
-              <a:t>If the primitives are indexes  used to treat certain array elements as pseudo fields, </a:t>
+              <a:t>If the primitives are indexes </a:t>
+            </a:r>
+            <a:r>
+              <a:rPr lang="en-US" dirty="0" smtClean="0"/>
+              <a:t>used </a:t>
+            </a:r>
+            <a:r>
+              <a:rPr lang="en-US" dirty="0" smtClean="0"/>
+              <a:t>to treat certain array elements as pseudo fields, </a:t>
             </a:r>
             <a:r>
               <a:rPr lang="en-US" b="1" i="1" dirty="0" smtClean="0">
